--- a/04-testing_resources_in_recipes.pptx
+++ b/04-testing_resources_in_recipes.pptx
@@ -8481,7 +8481,6 @@
               <a:rPr lang="en-US" dirty="0"/>
               <a:t>Testing Resources in Recipes</a:t>
             </a:r>
-            <a:endParaRPr lang="en-US" dirty="0"/>
           </a:p>
         </p:txBody>
       </p:sp>
@@ -8692,7 +8691,23 @@
           <a:p>
             <a:r>
               <a:rPr lang="en-US" dirty="0" smtClean="0"/>
-              <a:t>When a test passes immediately without having to write code it is time to be concerned. This is one of those moments we should ensure that the tests are working by heckling that code.</a:t>
+              <a:t>When a test passes immediately without having to write code </a:t>
+            </a:r>
+            <a:r>
+              <a:rPr lang="en-US" dirty="0" smtClean="0"/>
+              <a:t>(or if the code has already been written) it </a:t>
+            </a:r>
+            <a:r>
+              <a:rPr lang="en-US" dirty="0" smtClean="0"/>
+              <a:t>is time to be concerned. This is one of those moments we should ensure that the tests are working by </a:t>
+            </a:r>
+            <a:r>
+              <a:rPr lang="en-US" dirty="0" smtClean="0"/>
+              <a:t>mutating that </a:t>
+            </a:r>
+            <a:r>
+              <a:rPr lang="en-US" dirty="0" smtClean="0"/>
+              <a:t>code.</a:t>
             </a:r>
             <a:endParaRPr lang="en-US" dirty="0"/>
           </a:p>
@@ -8746,7 +8761,11 @@
           <a:bodyPr/>
           <a:lstStyle/>
           <a:p>
-            <a:endParaRPr lang="en-US"/>
+            <a:r>
+              <a:rPr lang="en-US" dirty="0" smtClean="0"/>
+              <a:t>Comment Out the Resource</a:t>
+            </a:r>
+            <a:endParaRPr lang="en-US" dirty="0"/>
           </a:p>
         </p:txBody>
       </p:sp>
@@ -9082,7 +9101,11 @@
           <a:bodyPr/>
           <a:lstStyle/>
           <a:p>
-            <a:endParaRPr lang="en-US"/>
+            <a:r>
+              <a:rPr lang="en-US" dirty="0" smtClean="0"/>
+              <a:t>Execute the Test to See it Fail</a:t>
+            </a:r>
+            <a:endParaRPr lang="en-US" dirty="0"/>
           </a:p>
         </p:txBody>
       </p:sp>
@@ -9134,7 +9157,11 @@
           <a:bodyPr/>
           <a:lstStyle/>
           <a:p>
-            <a:endParaRPr lang="en-US"/>
+            <a:r>
+              <a:rPr lang="en-US" dirty="0" smtClean="0"/>
+              <a:t>Uncomment Out the Resource</a:t>
+            </a:r>
+            <a:endParaRPr lang="en-US" dirty="0"/>
           </a:p>
         </p:txBody>
       </p:sp>
@@ -9410,7 +9437,11 @@
           <a:bodyPr/>
           <a:lstStyle/>
           <a:p>
-            <a:endParaRPr lang="en-US"/>
+            <a:r>
+              <a:rPr lang="en-US" dirty="0" smtClean="0"/>
+              <a:t>Execute the Test to See it Pass</a:t>
+            </a:r>
+            <a:endParaRPr lang="en-US" dirty="0"/>
           </a:p>
         </p:txBody>
       </p:sp>
@@ -9697,7 +9728,11 @@
           <a:bodyPr/>
           <a:lstStyle/>
           <a:p>
-            <a:endParaRPr lang="en-US"/>
+            <a:r>
+              <a:rPr lang="en-US" dirty="0" smtClean="0"/>
+              <a:t>Write the Tests to Verify the Service</a:t>
+            </a:r>
+            <a:endParaRPr lang="en-US" dirty="0"/>
           </a:p>
         </p:txBody>
       </p:sp>
@@ -10039,7 +10074,11 @@
           <a:bodyPr/>
           <a:lstStyle/>
           <a:p>
-            <a:endParaRPr lang="en-US"/>
+            <a:r>
+              <a:rPr lang="en-US" dirty="0" smtClean="0"/>
+              <a:t>Execute the Tests to See it Pass</a:t>
+            </a:r>
+            <a:endParaRPr lang="en-US" dirty="0"/>
           </a:p>
         </p:txBody>
       </p:sp>
@@ -10380,9 +10419,19 @@
         </p:nvSpPr>
         <p:spPr/>
         <p:txBody>
-          <a:bodyPr/>
+          <a:bodyPr>
+            <a:normAutofit fontScale="90000"/>
+          </a:bodyPr>
           <a:lstStyle/>
           <a:p>
+            <a:r>
+              <a:rPr lang="en-US" dirty="0" smtClean="0"/>
+              <a:t>Execute All the Tests in the </a:t>
+            </a:r>
+            <a:r>
+              <a:rPr lang="en-US" smtClean="0"/>
+              <a:t>Spec Directory</a:t>
+            </a:r>
             <a:endParaRPr lang="en-US"/>
           </a:p>
         </p:txBody>
@@ -10462,11 +10511,7 @@
           <a:p>
             <a:r>
               <a:rPr lang="en-US" dirty="0" smtClean="0"/>
-              <a:t>What </a:t>
-            </a:r>
-            <a:r>
-              <a:rPr lang="en-US" dirty="0" smtClean="0"/>
-              <a:t>value does it bring to validate that the resources take the appropriate action?</a:t>
+              <a:t>What value does it bring to validate that the resources take the appropriate action?</a:t>
             </a:r>
             <a:endParaRPr lang="en-US" dirty="0"/>
           </a:p>
@@ -10872,7 +10917,11 @@
           <a:bodyPr/>
           <a:lstStyle/>
           <a:p>
-            <a:endParaRPr lang="en-US"/>
+            <a:r>
+              <a:rPr lang="en-US" dirty="0" smtClean="0"/>
+              <a:t>Generated Recipes Also Generate Specs</a:t>
+            </a:r>
+            <a:endParaRPr lang="en-US" dirty="0"/>
           </a:p>
         </p:txBody>
       </p:sp>
@@ -11021,7 +11070,11 @@
           <a:bodyPr/>
           <a:lstStyle/>
           <a:p>
-            <a:endParaRPr lang="en-US"/>
+            <a:r>
+              <a:rPr lang="en-US" dirty="0" smtClean="0"/>
+              <a:t>Execute the Install Test</a:t>
+            </a:r>
+            <a:endParaRPr lang="en-US" dirty="0"/>
           </a:p>
         </p:txBody>
       </p:sp>
@@ -11073,7 +11126,11 @@
           <a:bodyPr/>
           <a:lstStyle/>
           <a:p>
-            <a:endParaRPr lang="en-US"/>
+            <a:r>
+              <a:rPr lang="en-US" dirty="0" smtClean="0"/>
+              <a:t>Add a Pending Test to Verify the Package</a:t>
+            </a:r>
+            <a:endParaRPr lang="en-US" dirty="0"/>
           </a:p>
         </p:txBody>
       </p:sp>
@@ -11420,7 +11477,11 @@
           <a:bodyPr/>
           <a:lstStyle/>
           <a:p>
-            <a:endParaRPr lang="en-US"/>
+            <a:r>
+              <a:rPr lang="en-US" dirty="0" smtClean="0"/>
+              <a:t>Write the Test to Verify the Package</a:t>
+            </a:r>
+            <a:endParaRPr lang="en-US" dirty="0"/>
           </a:p>
         </p:txBody>
       </p:sp>
@@ -11760,7 +11821,11 @@
           <a:bodyPr/>
           <a:lstStyle/>
           <a:p>
-            <a:endParaRPr lang="en-US"/>
+            <a:r>
+              <a:rPr lang="en-US" dirty="0" smtClean="0"/>
+              <a:t>Execute the Test to See it Pass</a:t>
+            </a:r>
+            <a:endParaRPr lang="en-US" dirty="0"/>
           </a:p>
         </p:txBody>
       </p:sp>
@@ -12156,7 +12221,7 @@
   <a:extraClrSchemeLst/>
   <a:extLst>
     <a:ext uri="{05A4C25C-085E-4340-85A3-A5531E510DB2}">
-      <thm15:themeFamily xmlns:thm15="http://schemas.microsoft.com/office/thememl/2012/main" xmlns="" name="Chef-TemplateComps_v09-16x9-Light.potx" id="{078CEFDB-FA7A-4E36-9964-13EF367585CB}" vid="{8B87B0F3-7308-43D5-8388-E1B49EA02652}"/>
+      <thm15:themeFamily xmlns="" xmlns:thm15="http://schemas.microsoft.com/office/thememl/2012/main" name="Chef-TemplateComps_v09-16x9-Light.potx" id="{078CEFDB-FA7A-4E36-9964-13EF367585CB}" vid="{8B87B0F3-7308-43D5-8388-E1B49EA02652}"/>
     </a:ext>
   </a:extLst>
 </a:theme>
@@ -12538,7 +12603,7 @@
   <a:extraClrSchemeLst/>
   <a:extLst>
     <a:ext uri="{05A4C25C-085E-4340-85A3-A5531E510DB2}">
-      <thm15:themeFamily xmlns:thm15="http://schemas.microsoft.com/office/thememl/2012/main" xmlns="" name="Chef-TemplateComps_v09-16x9-Light.potx" id="{078CEFDB-FA7A-4E36-9964-13EF367585CB}" vid="{8B87B0F3-7308-43D5-8388-E1B49EA02652}"/>
+      <thm15:themeFamily xmlns="" xmlns:thm15="http://schemas.microsoft.com/office/thememl/2012/main" name="Chef-TemplateComps_v09-16x9-Light.potx" id="{078CEFDB-FA7A-4E36-9964-13EF367585CB}" vid="{8B87B0F3-7308-43D5-8388-E1B49EA02652}"/>
     </a:ext>
   </a:extLst>
 </a:theme>

--- a/04-testing_resources_in_recipes.pptx
+++ b/04-testing_resources_in_recipes.pptx
@@ -164,6 +164,25 @@
       </a:defRPr>
     </a:lvl9pPr>
   </p:defaultTextStyle>
+  <p:extLst>
+    <p:ext uri="{EFAFB233-063F-42B5-8137-9DF3F51BA10A}">
+      <p15:sldGuideLst xmlns:p15="http://schemas.microsoft.com/office/powerpoint/2012/main" xmlns="">
+        <p15:guide id="1" orient="horz" pos="894">
+          <p15:clr>
+            <a:srgbClr val="A4A3A4"/>
+          </p15:clr>
+        </p15:guide>
+        <p15:guide id="2" pos="9120">
+          <p15:clr>
+            <a:srgbClr val="A4A3A4"/>
+          </p15:clr>
+        </p15:guide>
+      </p15:sldGuideLst>
+    </p:ext>
+    <p:ext uri="{2D200454-40CA-4A62-9FC3-DE9A4176ACB9}">
+      <p15:notesGuideLst xmlns:p15="http://schemas.microsoft.com/office/powerpoint/2012/main" xmlns=""/>
+    </p:ext>
+  </p:extLst>
 </p:presentation>
 </file>
 
@@ -278,7 +297,7 @@
               <a:pPr>
                 <a:defRPr/>
               </a:pPr>
-              <a:t>10/26/15</a:t>
+              <a:t>12/16/15</a:t>
             </a:fld>
             <a:endParaRPr lang="en-US" dirty="0"/>
           </a:p>
@@ -461,7 +480,7 @@
               <a:pPr>
                 <a:defRPr/>
               </a:pPr>
-              <a:t>10/26/15</a:t>
+              <a:t>12/16/15</a:t>
             </a:fld>
             <a:endParaRPr lang="en-US" dirty="0"/>
           </a:p>
@@ -8516,6 +8535,13 @@
   <p:transition xmlns:p14="http://schemas.microsoft.com/office/powerpoint/2010/main" spd="med">
     <p:fade/>
   </p:transition>
+  <p:timing>
+    <p:tnLst>
+      <p:par>
+        <p:cTn xmlns:p14="http://schemas.microsoft.com/office/powerpoint/2010/main" id="1" dur="indefinite" restart="never" nodeType="tmRoot"/>
+      </p:par>
+    </p:tnLst>
+  </p:timing>
 </p:sld>
 </file>
 
@@ -8629,6 +8655,13 @@
   <p:transition xmlns:p14="http://schemas.microsoft.com/office/powerpoint/2010/main" spd="med">
     <p:fade/>
   </p:transition>
+  <p:timing>
+    <p:tnLst>
+      <p:par>
+        <p:cTn xmlns:p14="http://schemas.microsoft.com/office/powerpoint/2010/main" id="1" dur="indefinite" restart="never" nodeType="tmRoot"/>
+      </p:par>
+    </p:tnLst>
+  </p:timing>
 </p:sld>
 </file>
 
@@ -8691,23 +8724,7 @@
           <a:p>
             <a:r>
               <a:rPr lang="en-US" dirty="0" smtClean="0"/>
-              <a:t>When a test passes immediately without having to write code </a:t>
-            </a:r>
-            <a:r>
-              <a:rPr lang="en-US" dirty="0" smtClean="0"/>
-              <a:t>(or if the code has already been written) it </a:t>
-            </a:r>
-            <a:r>
-              <a:rPr lang="en-US" dirty="0" smtClean="0"/>
-              <a:t>is time to be concerned. This is one of those moments we should ensure that the tests are working by </a:t>
-            </a:r>
-            <a:r>
-              <a:rPr lang="en-US" dirty="0" smtClean="0"/>
-              <a:t>mutating that </a:t>
-            </a:r>
-            <a:r>
-              <a:rPr lang="en-US" dirty="0" smtClean="0"/>
-              <a:t>code.</a:t>
+              <a:t>When a test passes immediately without having to write code (or if the code has already been written) it is time to be concerned. This is one of those moments we should ensure that the tests are working by mutating that code.</a:t>
             </a:r>
             <a:endParaRPr lang="en-US" dirty="0"/>
           </a:p>
@@ -8726,6 +8743,13 @@
   <p:transition xmlns:p14="http://schemas.microsoft.com/office/powerpoint/2010/main" spd="med">
     <p:fade/>
   </p:transition>
+  <p:timing>
+    <p:tnLst>
+      <p:par>
+        <p:cTn xmlns:p14="http://schemas.microsoft.com/office/powerpoint/2010/main" id="1" dur="indefinite" restart="never" nodeType="tmRoot"/>
+      </p:par>
+    </p:tnLst>
+  </p:timing>
 </p:sld>
 </file>
 
@@ -8910,6 +8934,13 @@
   <p:transition xmlns:p14="http://schemas.microsoft.com/office/powerpoint/2010/main" spd="med">
     <p:fade/>
   </p:transition>
+  <p:timing>
+    <p:tnLst>
+      <p:par>
+        <p:cTn xmlns:p14="http://schemas.microsoft.com/office/powerpoint/2010/main" id="1" dur="indefinite" restart="never" nodeType="tmRoot"/>
+      </p:par>
+    </p:tnLst>
+  </p:timing>
 </p:sld>
 </file>
 
@@ -9122,6 +9153,13 @@
   <p:transition xmlns:p14="http://schemas.microsoft.com/office/powerpoint/2010/main" spd="med">
     <p:fade/>
   </p:transition>
+  <p:timing>
+    <p:tnLst>
+      <p:par>
+        <p:cTn xmlns:p14="http://schemas.microsoft.com/office/powerpoint/2010/main" id="1" dur="indefinite" restart="never" nodeType="tmRoot"/>
+      </p:par>
+    </p:tnLst>
+  </p:timing>
 </p:sld>
 </file>
 
@@ -9306,6 +9344,13 @@
   <p:transition xmlns:p14="http://schemas.microsoft.com/office/powerpoint/2010/main" spd="med">
     <p:fade/>
   </p:transition>
+  <p:timing>
+    <p:tnLst>
+      <p:par>
+        <p:cTn xmlns:p14="http://schemas.microsoft.com/office/powerpoint/2010/main" id="1" dur="indefinite" restart="never" nodeType="tmRoot"/>
+      </p:par>
+    </p:tnLst>
+  </p:timing>
 </p:sld>
 </file>
 
@@ -9458,6 +9503,13 @@
   <p:transition xmlns:p14="http://schemas.microsoft.com/office/powerpoint/2010/main" spd="med">
     <p:fade/>
   </p:transition>
+  <p:timing>
+    <p:tnLst>
+      <p:par>
+        <p:cTn xmlns:p14="http://schemas.microsoft.com/office/powerpoint/2010/main" id="1" dur="indefinite" restart="never" nodeType="tmRoot"/>
+      </p:par>
+    </p:tnLst>
+  </p:timing>
 </p:sld>
 </file>
 
@@ -9571,6 +9623,13 @@
   <p:transition xmlns:p14="http://schemas.microsoft.com/office/powerpoint/2010/main" spd="med">
     <p:fade/>
   </p:transition>
+  <p:timing>
+    <p:tnLst>
+      <p:par>
+        <p:cTn xmlns:p14="http://schemas.microsoft.com/office/powerpoint/2010/main" id="1" dur="indefinite" restart="never" nodeType="tmRoot"/>
+      </p:par>
+    </p:tnLst>
+  </p:timing>
 </p:sld>
 </file>
 
@@ -9693,6 +9752,13 @@
   <p:transition xmlns:p14="http://schemas.microsoft.com/office/powerpoint/2010/main" spd="med">
     <p:fade/>
   </p:transition>
+  <p:timing>
+    <p:tnLst>
+      <p:par>
+        <p:cTn xmlns:p14="http://schemas.microsoft.com/office/powerpoint/2010/main" id="1" dur="indefinite" restart="never" nodeType="tmRoot"/>
+      </p:par>
+    </p:tnLst>
+  </p:timing>
 </p:sld>
 </file>
 
@@ -9770,7 +9836,15 @@
             </a:r>
             <a:r>
               <a:rPr lang="en-US" dirty="0" smtClean="0"/>
-              <a:t>'starts the appropriate service' do</a:t>
+              <a:t>'starts the </a:t>
+            </a:r>
+            <a:r>
+              <a:rPr lang="en-US" dirty="0" smtClean="0"/>
+              <a:t>necessary service</a:t>
+            </a:r>
+            <a:r>
+              <a:rPr lang="en-US" dirty="0" smtClean="0"/>
+              <a:t>' do</a:t>
             </a:r>
           </a:p>
           <a:p>
@@ -9816,7 +9890,19 @@
           <a:p>
             <a:r>
               <a:rPr lang="en-US" dirty="0" smtClean="0"/>
-              <a:t>    it 'enables the appropriate service' do</a:t>
+              <a:t>    it 'enables </a:t>
+            </a:r>
+            <a:r>
+              <a:rPr lang="en-US" smtClean="0"/>
+              <a:t>the </a:t>
+            </a:r>
+            <a:r>
+              <a:rPr lang="en-US" smtClean="0"/>
+              <a:t>necessary service</a:t>
+            </a:r>
+            <a:r>
+              <a:rPr lang="en-US" dirty="0" smtClean="0"/>
+              <a:t>' do</a:t>
             </a:r>
           </a:p>
           <a:p>
@@ -9834,7 +9920,7 @@
             </a:r>
             <a:r>
               <a:rPr lang="en-US" dirty="0" err="1" smtClean="0"/>
-              <a:t>enable_servie</a:t>
+              <a:t>enable_service</a:t>
             </a:r>
             <a:r>
               <a:rPr lang="en-US" dirty="0" smtClean="0"/>
@@ -9943,6 +10029,13 @@
   <p:transition xmlns:p14="http://schemas.microsoft.com/office/powerpoint/2010/main" spd="med">
     <p:fade/>
   </p:transition>
+  <p:timing>
+    <p:tnLst>
+      <p:par>
+        <p:cTn xmlns:p14="http://schemas.microsoft.com/office/powerpoint/2010/main" id="1" dur="indefinite" restart="never" nodeType="tmRoot"/>
+      </p:par>
+    </p:tnLst>
+  </p:timing>
 </p:sld>
 </file>
 
@@ -10095,6 +10188,13 @@
   <p:transition xmlns:p14="http://schemas.microsoft.com/office/powerpoint/2010/main" spd="med">
     <p:fade/>
   </p:transition>
+  <p:timing>
+    <p:tnLst>
+      <p:par>
+        <p:cTn xmlns:p14="http://schemas.microsoft.com/office/powerpoint/2010/main" id="1" dur="indefinite" restart="never" nodeType="tmRoot"/>
+      </p:par>
+    </p:tnLst>
+  </p:timing>
 </p:sld>
 </file>
 
@@ -10191,6 +10291,13 @@
   <p:transition xmlns:p14="http://schemas.microsoft.com/office/powerpoint/2010/main" spd="med">
     <p:fade/>
   </p:transition>
+  <p:timing>
+    <p:tnLst>
+      <p:par>
+        <p:cTn xmlns:p14="http://schemas.microsoft.com/office/powerpoint/2010/main" id="1" dur="indefinite" restart="never" nodeType="tmRoot"/>
+      </p:par>
+    </p:tnLst>
+  </p:timing>
 </p:sld>
 </file>
 
@@ -10299,6 +10406,13 @@
   <p:transition xmlns:p14="http://schemas.microsoft.com/office/powerpoint/2010/main" spd="med">
     <p:fade/>
   </p:transition>
+  <p:timing>
+    <p:tnLst>
+      <p:par>
+        <p:cTn xmlns:p14="http://schemas.microsoft.com/office/powerpoint/2010/main" id="1" dur="indefinite" restart="never" nodeType="tmRoot"/>
+      </p:par>
+    </p:tnLst>
+  </p:timing>
 </p:sld>
 </file>
 
@@ -10449,6 +10563,13 @@
   <p:transition xmlns:p14="http://schemas.microsoft.com/office/powerpoint/2010/main" spd="med">
     <p:fade/>
   </p:transition>
+  <p:timing>
+    <p:tnLst>
+      <p:par>
+        <p:cTn xmlns:p14="http://schemas.microsoft.com/office/powerpoint/2010/main" id="1" dur="indefinite" restart="never" nodeType="tmRoot"/>
+      </p:par>
+    </p:tnLst>
+  </p:timing>
 </p:sld>
 </file>
 
@@ -10530,6 +10651,13 @@
   <p:transition xmlns:p14="http://schemas.microsoft.com/office/powerpoint/2010/main" spd="med">
     <p:fade/>
   </p:transition>
+  <p:timing>
+    <p:tnLst>
+      <p:par>
+        <p:cTn xmlns:p14="http://schemas.microsoft.com/office/powerpoint/2010/main" id="1" dur="indefinite" restart="never" nodeType="tmRoot"/>
+      </p:par>
+    </p:tnLst>
+  </p:timing>
 </p:sld>
 </file>
 
@@ -10611,6 +10739,13 @@
   <p:transition xmlns:p14="http://schemas.microsoft.com/office/powerpoint/2010/main" spd="med">
     <p:fade/>
   </p:transition>
+  <p:timing>
+    <p:tnLst>
+      <p:par>
+        <p:cTn xmlns:p14="http://schemas.microsoft.com/office/powerpoint/2010/main" id="1" dur="indefinite" restart="never" nodeType="tmRoot"/>
+      </p:par>
+    </p:tnLst>
+  </p:timing>
 </p:sld>
 </file>
 
@@ -10644,6 +10779,13 @@
   <p:transition xmlns:p14="http://schemas.microsoft.com/office/powerpoint/2010/main" spd="med">
     <p:fade/>
   </p:transition>
+  <p:timing>
+    <p:tnLst>
+      <p:par>
+        <p:cTn xmlns:p14="http://schemas.microsoft.com/office/powerpoint/2010/main" id="1" dur="indefinite" restart="never" nodeType="tmRoot"/>
+      </p:par>
+    </p:tnLst>
+  </p:timing>
 </p:sld>
 </file>
 
@@ -10757,6 +10899,13 @@
   <p:transition xmlns:p14="http://schemas.microsoft.com/office/powerpoint/2010/main" spd="med">
     <p:fade/>
   </p:transition>
+  <p:timing>
+    <p:tnLst>
+      <p:par>
+        <p:cTn xmlns:p14="http://schemas.microsoft.com/office/powerpoint/2010/main" id="1" dur="indefinite" restart="never" nodeType="tmRoot"/>
+      </p:par>
+    </p:tnLst>
+  </p:timing>
 </p:sld>
 </file>
 
@@ -10938,6 +11087,13 @@
   <p:transition xmlns:p14="http://schemas.microsoft.com/office/powerpoint/2010/main" spd="med">
     <p:fade/>
   </p:transition>
+  <p:timing>
+    <p:tnLst>
+      <p:par>
+        <p:cTn xmlns:p14="http://schemas.microsoft.com/office/powerpoint/2010/main" id="1" dur="indefinite" restart="never" nodeType="tmRoot"/>
+      </p:par>
+    </p:tnLst>
+  </p:timing>
 </p:sld>
 </file>
 
@@ -11091,6 +11247,13 @@
   <p:transition xmlns:p14="http://schemas.microsoft.com/office/powerpoint/2010/main" spd="med">
     <p:fade/>
   </p:transition>
+  <p:timing>
+    <p:tnLst>
+      <p:par>
+        <p:cTn xmlns:p14="http://schemas.microsoft.com/office/powerpoint/2010/main" id="1" dur="indefinite" restart="never" nodeType="tmRoot"/>
+      </p:par>
+    </p:tnLst>
+  </p:timing>
 </p:sld>
 </file>
 
@@ -11212,15 +11375,27 @@
           <a:p>
             <a:r>
               <a:rPr lang="en-US" dirty="0" smtClean="0"/>
-              <a:t>    it 'install the appropriate package'</a:t>
+              <a:t>    it 'installs the </a:t>
+            </a:r>
+            <a:r>
+              <a:rPr lang="en-US" dirty="0" smtClean="0"/>
+              <a:t>necessary package</a:t>
+            </a:r>
+            <a:r>
+              <a:rPr lang="en-US" dirty="0" smtClean="0"/>
+              <a:t>'</a:t>
+            </a:r>
+          </a:p>
+          <a:p>
+            <a:r>
+              <a:rPr lang="en-US" dirty="0"/>
+              <a:t> </a:t>
+            </a:r>
+            <a:r>
+              <a:rPr lang="en-US" dirty="0" smtClean="0"/>
+              <a:t> end</a:t>
             </a:r>
             <a:endParaRPr lang="en-US" dirty="0"/>
-          </a:p>
-          <a:p>
-            <a:r>
-              <a:rPr lang="en-US" dirty="0"/>
-              <a:t>  end</a:t>
-            </a:r>
           </a:p>
           <a:p>
             <a:r>
@@ -11306,6 +11481,13 @@
   <p:transition xmlns:p14="http://schemas.microsoft.com/office/powerpoint/2010/main" spd="med">
     <p:fade/>
   </p:transition>
+  <p:timing>
+    <p:tnLst>
+      <p:par>
+        <p:cTn xmlns:p14="http://schemas.microsoft.com/office/powerpoint/2010/main" id="1" dur="indefinite" restart="never" nodeType="tmRoot"/>
+      </p:par>
+    </p:tnLst>
+  </p:timing>
 </p:sld>
 </file>
 
@@ -11442,6 +11624,13 @@
   <p:transition xmlns:p14="http://schemas.microsoft.com/office/powerpoint/2010/main" spd="med">
     <p:fade/>
   </p:transition>
+  <p:timing>
+    <p:tnLst>
+      <p:par>
+        <p:cTn xmlns:p14="http://schemas.microsoft.com/office/powerpoint/2010/main" id="1" dur="indefinite" restart="never" nodeType="tmRoot"/>
+      </p:par>
+    </p:tnLst>
+  </p:timing>
 </p:sld>
 </file>
 
@@ -11690,6 +11879,13 @@
   <p:transition xmlns:p14="http://schemas.microsoft.com/office/powerpoint/2010/main" spd="med">
     <p:fade/>
   </p:transition>
+  <p:timing>
+    <p:tnLst>
+      <p:par>
+        <p:cTn xmlns:p14="http://schemas.microsoft.com/office/powerpoint/2010/main" id="1" dur="indefinite" restart="never" nodeType="tmRoot"/>
+      </p:par>
+    </p:tnLst>
+  </p:timing>
 </p:sld>
 </file>
 
@@ -11842,6 +12038,13 @@
   <p:transition xmlns:p14="http://schemas.microsoft.com/office/powerpoint/2010/main" spd="med">
     <p:fade/>
   </p:transition>
+  <p:timing>
+    <p:tnLst>
+      <p:par>
+        <p:cTn xmlns:p14="http://schemas.microsoft.com/office/powerpoint/2010/main" id="1" dur="indefinite" restart="never" nodeType="tmRoot"/>
+      </p:par>
+    </p:tnLst>
+  </p:timing>
 </p:sld>
 </file>
 
@@ -12221,7 +12424,7 @@
   <a:extraClrSchemeLst/>
   <a:extLst>
     <a:ext uri="{05A4C25C-085E-4340-85A3-A5531E510DB2}">
-      <thm15:themeFamily xmlns="" xmlns:thm15="http://schemas.microsoft.com/office/thememl/2012/main" name="Chef-TemplateComps_v09-16x9-Light.potx" id="{078CEFDB-FA7A-4E36-9964-13EF367585CB}" vid="{8B87B0F3-7308-43D5-8388-E1B49EA02652}"/>
+      <thm15:themeFamily xmlns:thm15="http://schemas.microsoft.com/office/thememl/2012/main" xmlns="" name="Chef-TemplateComps_v09-16x9-Light.potx" id="{078CEFDB-FA7A-4E36-9964-13EF367585CB}" vid="{8B87B0F3-7308-43D5-8388-E1B49EA02652}"/>
     </a:ext>
   </a:extLst>
 </a:theme>
@@ -12603,7 +12806,7 @@
   <a:extraClrSchemeLst/>
   <a:extLst>
     <a:ext uri="{05A4C25C-085E-4340-85A3-A5531E510DB2}">
-      <thm15:themeFamily xmlns="" xmlns:thm15="http://schemas.microsoft.com/office/thememl/2012/main" name="Chef-TemplateComps_v09-16x9-Light.potx" id="{078CEFDB-FA7A-4E36-9964-13EF367585CB}" vid="{8B87B0F3-7308-43D5-8388-E1B49EA02652}"/>
+      <thm15:themeFamily xmlns:thm15="http://schemas.microsoft.com/office/thememl/2012/main" xmlns="" name="Chef-TemplateComps_v09-16x9-Light.potx" id="{078CEFDB-FA7A-4E36-9964-13EF367585CB}" vid="{8B87B0F3-7308-43D5-8388-E1B49EA02652}"/>
     </a:ext>
   </a:extLst>
 </a:theme>
